--- a/Contact Centre Analysis Presentation.pptx
+++ b/Contact Centre Analysis Presentation.pptx
@@ -903,7 +903,7 @@
             </a:pPr>
             <a:r>
               <a:rPr lang="en"/>
-              <a:t>We have also developed some other visuals around the data to gain some further insights </a:t>
+              <a:t>We have also developed some visuals in Tableau around the data to gain some further insights </a:t>
             </a:r>
             <a:r>
               <a:rPr lang="en"/>
@@ -1146,7 +1146,54 @@
             </a:pPr>
             <a:r>
               <a:rPr lang="en"/>
-              <a:t>Julie - Visualisations created were…</a:t>
+              <a:t>Julie - Finally, we started to create some visualisations based on the same data used in the </a:t>
+            </a:r>
+            <a:r>
+              <a:rPr lang="en"/>
+              <a:t>machine</a:t>
+            </a:r>
+            <a:r>
+              <a:rPr lang="en"/>
+              <a:t> </a:t>
+            </a:r>
+            <a:r>
+              <a:rPr lang="en"/>
+              <a:t>learning</a:t>
+            </a:r>
+            <a:r>
+              <a:rPr lang="en"/>
+              <a:t> model to look at other insights and opportunities.</a:t>
+            </a:r>
+            <a:endParaRPr/>
+          </a:p>
+          <a:p>
+            <a:pPr indent="0" lvl="0" marL="0" rtl="0" algn="l">
+              <a:spcBef>
+                <a:spcPts val="0"/>
+              </a:spcBef>
+              <a:spcAft>
+                <a:spcPts val="0"/>
+              </a:spcAft>
+              <a:buNone/>
+            </a:pPr>
+            <a:r>
+              <a:t/>
+            </a:r>
+            <a:endParaRPr/>
+          </a:p>
+          <a:p>
+            <a:pPr indent="0" lvl="0" marL="0" rtl="0" algn="l">
+              <a:spcBef>
+                <a:spcPts val="0"/>
+              </a:spcBef>
+              <a:spcAft>
+                <a:spcPts val="0"/>
+              </a:spcAft>
+              <a:buNone/>
+            </a:pPr>
+            <a:r>
+              <a:rPr lang="en"/>
+              <a:t>These included…</a:t>
             </a:r>
             <a:endParaRPr/>
           </a:p>
@@ -1366,7 +1413,7 @@
             </a:pPr>
             <a:r>
               <a:rPr lang="en"/>
-              <a:t>Overall, we found there is a very weak, negative correlation between contact centre volume and DIFOT as represented in the visual. </a:t>
+              <a:t>Overall, we found there is a very weak, negative correlation between contact centre volume and DIFOT as represented in the visual. The overall R-Squared value was barely over 0.1</a:t>
             </a:r>
             <a:endParaRPr/>
           </a:p>
@@ -1397,7 +1444,7 @@
             </a:pPr>
             <a:r>
               <a:rPr lang="en"/>
-              <a:t>Even when the data is filtered to represent volume related specifically to order delivery, it still does not strongly support the correlation relationship.</a:t>
+              <a:t>Even when the data is filtered to represent volume related specifically to order delivery, it still does not strongly support the correlation relationship.  The R-Squared value with the additional filter applied only rose to about 0.2.</a:t>
             </a:r>
             <a:endParaRPr/>
           </a:p>
@@ -2266,7 +2313,7 @@
                   <a:schemeClr val="dk1"/>
                 </a:solidFill>
               </a:rPr>
-              <a:t>Understanding the reasons customers contact the business can also assist with understanding where self-service capability can be increased to further reduce interaction volume.</a:t>
+              <a:t>Understanding the reasons customers contact the business can also assist with understanding where self-service capability can be increased or improved to further reduce interaction volume.</a:t>
             </a:r>
             <a:endParaRPr>
               <a:solidFill>
@@ -2604,7 +2651,7 @@
             </a:r>
             <a:r>
               <a:rPr lang="en"/>
-              <a:t>Our exploration hinges on a live Australian Contact Centre using the Genesys PureCloud Contact Centre Platform as its primary operational platform. </a:t>
+              <a:t>Our exploration is centred on a live Australian Contact Centre who uses Genesys PureCloud as its primary operational platform. </a:t>
             </a:r>
             <a:endParaRPr/>
           </a:p>
@@ -2635,7 +2682,7 @@
             </a:pPr>
             <a:r>
               <a:rPr lang="en"/>
-              <a:t>We integrated data from two streams: </a:t>
+              <a:t>We combined data from two key streams: </a:t>
             </a:r>
             <a:endParaRPr/>
           </a:p>
@@ -2652,7 +2699,7 @@
             </a:pPr>
             <a:r>
               <a:rPr lang="en"/>
-              <a:t>a detailed dataset extracted through the Genesys API explorer, requiring Genesys Cloud Licensing, and </a:t>
+              <a:t>a detailed dataset extracted through the Genesys API explorer (via Databricks), requiring Genesys Cloud Licensing, and </a:t>
             </a:r>
             <a:endParaRPr/>
           </a:p>
@@ -2878,6 +2925,68 @@
             </a:r>
             <a:endParaRPr/>
           </a:p>
+          <a:p>
+            <a:pPr indent="0" lvl="0" marL="0" rtl="0" algn="l">
+              <a:spcBef>
+                <a:spcPts val="0"/>
+              </a:spcBef>
+              <a:spcAft>
+                <a:spcPts val="0"/>
+              </a:spcAft>
+              <a:buNone/>
+            </a:pPr>
+            <a:r>
+              <a:t/>
+            </a:r>
+            <a:endParaRPr/>
+          </a:p>
+          <a:p>
+            <a:pPr indent="0" lvl="0" marL="0" rtl="0" algn="l">
+              <a:spcBef>
+                <a:spcPts val="0"/>
+              </a:spcBef>
+              <a:spcAft>
+                <a:spcPts val="0"/>
+              </a:spcAft>
+              <a:buNone/>
+            </a:pPr>
+            <a:r>
+              <a:rPr lang="en"/>
+              <a:t>The first, and larger of the 2 images is the resulting dataframe from the notebook created from within the business.</a:t>
+            </a:r>
+            <a:endParaRPr/>
+          </a:p>
+          <a:p>
+            <a:pPr indent="0" lvl="0" marL="0" rtl="0" algn="l">
+              <a:spcBef>
+                <a:spcPts val="0"/>
+              </a:spcBef>
+              <a:spcAft>
+                <a:spcPts val="0"/>
+              </a:spcAft>
+              <a:buNone/>
+            </a:pPr>
+            <a:r>
+              <a:t/>
+            </a:r>
+            <a:endParaRPr/>
+          </a:p>
+          <a:p>
+            <a:pPr indent="0" lvl="0" marL="0" rtl="0" algn="l">
+              <a:spcBef>
+                <a:spcPts val="0"/>
+              </a:spcBef>
+              <a:spcAft>
+                <a:spcPts val="0"/>
+              </a:spcAft>
+              <a:buNone/>
+            </a:pPr>
+            <a:r>
+              <a:rPr lang="en"/>
+              <a:t>The second and smaller image is the dataframe after it was ingested.</a:t>
+            </a:r>
+            <a:endParaRPr/>
+          </a:p>
         </p:txBody>
       </p:sp>
     </p:spTree>
@@ -3240,9 +3349,66 @@
                   <a:schemeClr val="dk1"/>
                 </a:solidFill>
               </a:rPr>
-              <a:t>This statement determines instances if ‘intCount’ is greater than the day prior and difot is lower than the day prior then return 1 else return 0. </a:t>
-            </a:r>
-            <a:endParaRPr/>
+              <a:t>This statement returns 1 if the ‘Count’ of interactions for each date is greater than the day prior and difot is lower than the day prior.  Otherwise, return 0. </a:t>
+            </a:r>
+            <a:endParaRPr>
+              <a:solidFill>
+                <a:schemeClr val="dk1"/>
+              </a:solidFill>
+            </a:endParaRPr>
+          </a:p>
+          <a:p>
+            <a:pPr indent="0" lvl="0" marL="0" rtl="0" algn="l">
+              <a:spcBef>
+                <a:spcPts val="0"/>
+              </a:spcBef>
+              <a:spcAft>
+                <a:spcPts val="0"/>
+              </a:spcAft>
+              <a:buClr>
+                <a:schemeClr val="dk1"/>
+              </a:buClr>
+              <a:buSzPts val="1100"/>
+              <a:buFont typeface="Arial"/>
+              <a:buNone/>
+            </a:pPr>
+            <a:r>
+              <a:t/>
+            </a:r>
+            <a:endParaRPr>
+              <a:solidFill>
+                <a:schemeClr val="dk1"/>
+              </a:solidFill>
+            </a:endParaRPr>
+          </a:p>
+          <a:p>
+            <a:pPr indent="0" lvl="0" marL="0" rtl="0" algn="l">
+              <a:spcBef>
+                <a:spcPts val="0"/>
+              </a:spcBef>
+              <a:spcAft>
+                <a:spcPts val="0"/>
+              </a:spcAft>
+              <a:buClr>
+                <a:schemeClr val="dk1"/>
+              </a:buClr>
+              <a:buSzPts val="1100"/>
+              <a:buFont typeface="Arial"/>
+              <a:buNone/>
+            </a:pPr>
+            <a:r>
+              <a:rPr lang="en">
+                <a:solidFill>
+                  <a:schemeClr val="dk1"/>
+                </a:solidFill>
+              </a:rPr>
+              <a:t>Now, Dusko is going to talk through the machine learning model and results…..Dusko.</a:t>
+            </a:r>
+            <a:endParaRPr>
+              <a:solidFill>
+                <a:schemeClr val="dk1"/>
+              </a:solidFill>
+            </a:endParaRPr>
           </a:p>
         </p:txBody>
       </p:sp>
